--- a/Documentation/SpaceShooter.pptx
+++ b/Documentation/SpaceShooter.pptx
@@ -5,7 +5,7 @@
     <p:sldMasterId id="2147483648" r:id="rId1"/>
   </p:sldMasterIdLst>
   <p:notesMasterIdLst>
-    <p:notesMasterId r:id="rId8"/>
+    <p:notesMasterId r:id="rId14"/>
   </p:notesMasterIdLst>
   <p:sldIdLst>
     <p:sldId id="256" r:id="rId2"/>
@@ -14,6 +14,12 @@
     <p:sldId id="259" r:id="rId5"/>
     <p:sldId id="260" r:id="rId6"/>
     <p:sldId id="261" r:id="rId7"/>
+    <p:sldId id="262" r:id="rId8"/>
+    <p:sldId id="263" r:id="rId9"/>
+    <p:sldId id="264" r:id="rId10"/>
+    <p:sldId id="265" r:id="rId11"/>
+    <p:sldId id="266" r:id="rId12"/>
+    <p:sldId id="267" r:id="rId13"/>
   </p:sldIdLst>
   <p:sldSz cx="12192000" cy="6858000"/>
   <p:notesSz cx="6858000" cy="9144000"/>
@@ -112,6 +118,11 @@
       </a:defRPr>
     </a:lvl9pPr>
   </p:defaultTextStyle>
+  <p:extLst>
+    <p:ext uri="{EFAFB233-063F-42B5-8137-9DF3F51BA10A}">
+      <p15:sldGuideLst xmlns:p15="http://schemas.microsoft.com/office/powerpoint/2012/main"/>
+    </p:ext>
+  </p:extLst>
 </p:presentation>
 </file>
 
@@ -197,7 +208,7 @@
           <a:p>
             <a:fld id="{84D65188-3130-4C10-8FC2-FCAC98725109}" type="datetimeFigureOut">
               <a:rPr lang="fi-FI" smtClean="0"/>
-              <a:t>14.3.2016</a:t>
+              <a:t>15.3.2016</a:t>
             </a:fld>
             <a:endParaRPr lang="fi-FI"/>
           </a:p>
@@ -779,7 +790,7 @@
             <a:fld id="{B61BEF0D-F0BB-DE4B-95CE-6DB70DBA9567}" type="datetimeFigureOut">
               <a:rPr lang="en-US" dirty="0"/>
               <a:pPr/>
-              <a:t>3/14/2016</a:t>
+              <a:t>3/15/2016</a:t>
             </a:fld>
             <a:endParaRPr lang="en-US" dirty="0"/>
           </a:p>
@@ -1110,7 +1121,7 @@
             <a:fld id="{B61BEF0D-F0BB-DE4B-95CE-6DB70DBA9567}" type="datetimeFigureOut">
               <a:rPr lang="en-US" dirty="0"/>
               <a:pPr/>
-              <a:t>3/14/2016</a:t>
+              <a:t>3/15/2016</a:t>
             </a:fld>
             <a:endParaRPr lang="en-US" dirty="0"/>
           </a:p>
@@ -1385,7 +1396,7 @@
             <a:fld id="{B61BEF0D-F0BB-DE4B-95CE-6DB70DBA9567}" type="datetimeFigureOut">
               <a:rPr lang="en-US" dirty="0"/>
               <a:pPr/>
-              <a:t>3/14/2016</a:t>
+              <a:t>3/15/2016</a:t>
             </a:fld>
             <a:endParaRPr lang="en-US" dirty="0"/>
           </a:p>
@@ -1950,7 +1961,7 @@
             <a:fld id="{B61BEF0D-F0BB-DE4B-95CE-6DB70DBA9567}" type="datetimeFigureOut">
               <a:rPr lang="en-US" dirty="0"/>
               <a:pPr/>
-              <a:t>3/14/2016</a:t>
+              <a:t>3/15/2016</a:t>
             </a:fld>
             <a:endParaRPr lang="en-US" dirty="0"/>
           </a:p>
@@ -2225,7 +2236,7 @@
             <a:fld id="{B61BEF0D-F0BB-DE4B-95CE-6DB70DBA9567}" type="datetimeFigureOut">
               <a:rPr lang="en-US" dirty="0"/>
               <a:pPr/>
-              <a:t>3/14/2016</a:t>
+              <a:t>3/15/2016</a:t>
             </a:fld>
             <a:endParaRPr lang="en-US" dirty="0"/>
           </a:p>
@@ -2784,7 +2795,7 @@
             <a:fld id="{B61BEF0D-F0BB-DE4B-95CE-6DB70DBA9567}" type="datetimeFigureOut">
               <a:rPr lang="en-US" dirty="0"/>
               <a:pPr/>
-              <a:t>3/14/2016</a:t>
+              <a:t>3/15/2016</a:t>
             </a:fld>
             <a:endParaRPr lang="en-US" dirty="0"/>
           </a:p>
@@ -3108,7 +3119,7 @@
             <a:fld id="{B61BEF0D-F0BB-DE4B-95CE-6DB70DBA9567}" type="datetimeFigureOut">
               <a:rPr lang="en-US" dirty="0"/>
               <a:pPr/>
-              <a:t>3/14/2016</a:t>
+              <a:t>3/15/2016</a:t>
             </a:fld>
             <a:endParaRPr lang="en-US" dirty="0"/>
           </a:p>
@@ -3310,7 +3321,7 @@
             <a:fld id="{B61BEF0D-F0BB-DE4B-95CE-6DB70DBA9567}" type="datetimeFigureOut">
               <a:rPr lang="en-US" dirty="0"/>
               <a:pPr/>
-              <a:t>3/14/2016</a:t>
+              <a:t>3/15/2016</a:t>
             </a:fld>
             <a:endParaRPr lang="en-US" dirty="0"/>
           </a:p>
@@ -3517,7 +3528,7 @@
             <a:fld id="{B61BEF0D-F0BB-DE4B-95CE-6DB70DBA9567}" type="datetimeFigureOut">
               <a:rPr lang="en-US" dirty="0"/>
               <a:pPr/>
-              <a:t>3/14/2016</a:t>
+              <a:t>3/15/2016</a:t>
             </a:fld>
             <a:endParaRPr lang="en-US" dirty="0"/>
           </a:p>
@@ -3714,7 +3725,7 @@
             <a:fld id="{B61BEF0D-F0BB-DE4B-95CE-6DB70DBA9567}" type="datetimeFigureOut">
               <a:rPr lang="en-US" dirty="0"/>
               <a:pPr/>
-              <a:t>3/14/2016</a:t>
+              <a:t>3/15/2016</a:t>
             </a:fld>
             <a:endParaRPr lang="en-US" dirty="0"/>
           </a:p>
@@ -3987,7 +3998,7 @@
             <a:fld id="{B61BEF0D-F0BB-DE4B-95CE-6DB70DBA9567}" type="datetimeFigureOut">
               <a:rPr lang="en-US" dirty="0"/>
               <a:pPr/>
-              <a:t>3/14/2016</a:t>
+              <a:t>3/15/2016</a:t>
             </a:fld>
             <a:endParaRPr lang="en-US" dirty="0"/>
           </a:p>
@@ -4250,7 +4261,7 @@
             <a:fld id="{B61BEF0D-F0BB-DE4B-95CE-6DB70DBA9567}" type="datetimeFigureOut">
               <a:rPr lang="en-US" dirty="0"/>
               <a:pPr/>
-              <a:t>3/14/2016</a:t>
+              <a:t>3/15/2016</a:t>
             </a:fld>
             <a:endParaRPr lang="en-US" dirty="0"/>
           </a:p>
@@ -4621,7 +4632,7 @@
             <a:fld id="{B61BEF0D-F0BB-DE4B-95CE-6DB70DBA9567}" type="datetimeFigureOut">
               <a:rPr lang="en-US" dirty="0"/>
               <a:pPr/>
-              <a:t>3/14/2016</a:t>
+              <a:t>3/15/2016</a:t>
             </a:fld>
             <a:endParaRPr lang="en-US" dirty="0"/>
           </a:p>
@@ -4766,7 +4777,7 @@
             <a:fld id="{B61BEF0D-F0BB-DE4B-95CE-6DB70DBA9567}" type="datetimeFigureOut">
               <a:rPr lang="en-US" dirty="0"/>
               <a:pPr/>
-              <a:t>3/14/2016</a:t>
+              <a:t>3/15/2016</a:t>
             </a:fld>
             <a:endParaRPr lang="en-US" dirty="0"/>
           </a:p>
@@ -4888,7 +4899,7 @@
             <a:fld id="{B61BEF0D-F0BB-DE4B-95CE-6DB70DBA9567}" type="datetimeFigureOut">
               <a:rPr lang="en-US" dirty="0"/>
               <a:pPr/>
-              <a:t>3/14/2016</a:t>
+              <a:t>3/15/2016</a:t>
             </a:fld>
             <a:endParaRPr lang="en-US" dirty="0"/>
           </a:p>
@@ -5170,7 +5181,7 @@
             <a:fld id="{B61BEF0D-F0BB-DE4B-95CE-6DB70DBA9567}" type="datetimeFigureOut">
               <a:rPr lang="en-US" dirty="0"/>
               <a:pPr/>
-              <a:t>3/14/2016</a:t>
+              <a:t>3/15/2016</a:t>
             </a:fld>
             <a:endParaRPr lang="en-US" dirty="0"/>
           </a:p>
@@ -5491,7 +5502,7 @@
             <a:fld id="{B61BEF0D-F0BB-DE4B-95CE-6DB70DBA9567}" type="datetimeFigureOut">
               <a:rPr lang="en-US" dirty="0"/>
               <a:pPr/>
-              <a:t>3/14/2016</a:t>
+              <a:t>3/15/2016</a:t>
             </a:fld>
             <a:endParaRPr lang="en-US" dirty="0"/>
           </a:p>
@@ -5702,7 +5713,7 @@
             <a:fld id="{B61BEF0D-F0BB-DE4B-95CE-6DB70DBA9567}" type="datetimeFigureOut">
               <a:rPr lang="en-US" dirty="0"/>
               <a:pPr/>
-              <a:t>3/14/2016</a:t>
+              <a:t>3/15/2016</a:t>
             </a:fld>
             <a:endParaRPr lang="en-US" dirty="0"/>
           </a:p>
@@ -6311,6 +6322,285 @@
 </p:sld>
 </file>
 
+<file path=ppt/slides/slide10.xml><?xml version="1.0" encoding="utf-8"?>
+<p:sld xmlns:a="http://schemas.openxmlformats.org/drawingml/2006/main" xmlns:r="http://schemas.openxmlformats.org/officeDocument/2006/relationships" xmlns:p="http://schemas.openxmlformats.org/presentationml/2006/main">
+  <p:cSld>
+    <p:spTree>
+      <p:nvGrpSpPr>
+        <p:cNvPr id="1" name=""/>
+        <p:cNvGrpSpPr/>
+        <p:nvPr/>
+      </p:nvGrpSpPr>
+      <p:grpSpPr>
+        <a:xfrm>
+          <a:off x="0" y="0"/>
+          <a:ext cx="0" cy="0"/>
+          <a:chOff x="0" y="0"/>
+          <a:chExt cx="0" cy="0"/>
+        </a:xfrm>
+      </p:grpSpPr>
+      <p:sp>
+        <p:nvSpPr>
+          <p:cNvPr id="2" name="Otsikko 1"/>
+          <p:cNvSpPr>
+            <a:spLocks noGrp="1"/>
+          </p:cNvSpPr>
+          <p:nvPr>
+            <p:ph type="title"/>
+          </p:nvPr>
+        </p:nvSpPr>
+        <p:spPr/>
+        <p:txBody>
+          <a:bodyPr>
+            <a:normAutofit/>
+          </a:bodyPr>
+          <a:lstStyle/>
+          <a:p>
+            <a:r>
+              <a:rPr lang="fi-FI" dirty="0" smtClean="0"/>
+              <a:t>Inventory/ Shop</a:t>
+            </a:r>
+            <a:endParaRPr lang="fi-FI" dirty="0"/>
+          </a:p>
+        </p:txBody>
+      </p:sp>
+      <p:pic>
+        <p:nvPicPr>
+          <p:cNvPr id="5" name="Kuvan paikkamerkki 4"/>
+          <p:cNvPicPr>
+            <a:picLocks noGrp="1" noChangeAspect="1"/>
+          </p:cNvPicPr>
+          <p:nvPr>
+            <p:ph idx="1"/>
+          </p:nvPr>
+        </p:nvPicPr>
+        <p:blipFill>
+          <a:blip r:embed="rId2">
+            <a:extLst>
+              <a:ext uri="{28A0092B-C50C-407E-A947-70E740481C1C}">
+                <a14:useLocalDpi xmlns:a14="http://schemas.microsoft.com/office/drawing/2010/main" val="0"/>
+              </a:ext>
+            </a:extLst>
+          </a:blip>
+          <a:stretch>
+            <a:fillRect/>
+          </a:stretch>
+        </p:blipFill>
+        <p:spPr>
+          <a:xfrm>
+            <a:off x="1771651" y="1644451"/>
+            <a:ext cx="8667750" cy="5056909"/>
+          </a:xfrm>
+        </p:spPr>
+      </p:pic>
+    </p:spTree>
+    <p:extLst>
+      <p:ext uri="{BB962C8B-B14F-4D97-AF65-F5344CB8AC3E}">
+        <p14:creationId xmlns:p14="http://schemas.microsoft.com/office/powerpoint/2010/main" val="2136605178"/>
+      </p:ext>
+    </p:extLst>
+  </p:cSld>
+  <p:clrMapOvr>
+    <a:masterClrMapping/>
+  </p:clrMapOvr>
+  <p:timing>
+    <p:tnLst>
+      <p:par>
+        <p:cTn id="1" dur="indefinite" restart="never" nodeType="tmRoot"/>
+      </p:par>
+    </p:tnLst>
+  </p:timing>
+</p:sld>
+</file>
+
+<file path=ppt/slides/slide11.xml><?xml version="1.0" encoding="utf-8"?>
+<p:sld xmlns:a="http://schemas.openxmlformats.org/drawingml/2006/main" xmlns:r="http://schemas.openxmlformats.org/officeDocument/2006/relationships" xmlns:p="http://schemas.openxmlformats.org/presentationml/2006/main">
+  <p:cSld>
+    <p:spTree>
+      <p:nvGrpSpPr>
+        <p:cNvPr id="1" name=""/>
+        <p:cNvGrpSpPr/>
+        <p:nvPr/>
+      </p:nvGrpSpPr>
+      <p:grpSpPr>
+        <a:xfrm>
+          <a:off x="0" y="0"/>
+          <a:ext cx="0" cy="0"/>
+          <a:chOff x="0" y="0"/>
+          <a:chExt cx="0" cy="0"/>
+        </a:xfrm>
+      </p:grpSpPr>
+      <p:sp>
+        <p:nvSpPr>
+          <p:cNvPr id="2" name="Otsikko 1"/>
+          <p:cNvSpPr>
+            <a:spLocks noGrp="1"/>
+          </p:cNvSpPr>
+          <p:nvPr>
+            <p:ph type="title"/>
+          </p:nvPr>
+        </p:nvSpPr>
+        <p:spPr>
+          <a:xfrm>
+            <a:off x="1096961" y="207084"/>
+            <a:ext cx="10131425" cy="1456267"/>
+          </a:xfrm>
+        </p:spPr>
+        <p:txBody>
+          <a:bodyPr/>
+          <a:lstStyle/>
+          <a:p>
+            <a:r>
+              <a:rPr lang="fi-FI" dirty="0" err="1" smtClean="0"/>
+              <a:t>Gameplay</a:t>
+            </a:r>
+            <a:endParaRPr lang="fi-FI" dirty="0"/>
+          </a:p>
+        </p:txBody>
+      </p:sp>
+      <p:pic>
+        <p:nvPicPr>
+          <p:cNvPr id="4" name="Sisällön paikkamerkki 3"/>
+          <p:cNvPicPr>
+            <a:picLocks noGrp="1" noChangeAspect="1"/>
+          </p:cNvPicPr>
+          <p:nvPr>
+            <p:ph idx="1"/>
+          </p:nvPr>
+        </p:nvPicPr>
+        <p:blipFill>
+          <a:blip r:embed="rId2">
+            <a:extLst>
+              <a:ext uri="{28A0092B-C50C-407E-A947-70E740481C1C}">
+                <a14:useLocalDpi xmlns:a14="http://schemas.microsoft.com/office/drawing/2010/main" val="0"/>
+              </a:ext>
+            </a:extLst>
+          </a:blip>
+          <a:stretch>
+            <a:fillRect/>
+          </a:stretch>
+        </p:blipFill>
+        <p:spPr>
+          <a:xfrm>
+            <a:off x="1695450" y="1663351"/>
+            <a:ext cx="8934449" cy="5072951"/>
+          </a:xfrm>
+        </p:spPr>
+      </p:pic>
+    </p:spTree>
+    <p:extLst>
+      <p:ext uri="{BB962C8B-B14F-4D97-AF65-F5344CB8AC3E}">
+        <p14:creationId xmlns:p14="http://schemas.microsoft.com/office/powerpoint/2010/main" val="1189435930"/>
+      </p:ext>
+    </p:extLst>
+  </p:cSld>
+  <p:clrMapOvr>
+    <a:masterClrMapping/>
+  </p:clrMapOvr>
+  <p:timing>
+    <p:tnLst>
+      <p:par>
+        <p:cTn id="1" dur="indefinite" restart="never" nodeType="tmRoot"/>
+      </p:par>
+    </p:tnLst>
+  </p:timing>
+</p:sld>
+</file>
+
+<file path=ppt/slides/slide12.xml><?xml version="1.0" encoding="utf-8"?>
+<p:sld xmlns:a="http://schemas.openxmlformats.org/drawingml/2006/main" xmlns:r="http://schemas.openxmlformats.org/officeDocument/2006/relationships" xmlns:p="http://schemas.openxmlformats.org/presentationml/2006/main">
+  <p:cSld>
+    <p:spTree>
+      <p:nvGrpSpPr>
+        <p:cNvPr id="1" name=""/>
+        <p:cNvGrpSpPr/>
+        <p:nvPr/>
+      </p:nvGrpSpPr>
+      <p:grpSpPr>
+        <a:xfrm>
+          <a:off x="0" y="0"/>
+          <a:ext cx="0" cy="0"/>
+          <a:chOff x="0" y="0"/>
+          <a:chExt cx="0" cy="0"/>
+        </a:xfrm>
+      </p:grpSpPr>
+      <p:sp>
+        <p:nvSpPr>
+          <p:cNvPr id="2" name="Otsikko 1"/>
+          <p:cNvSpPr>
+            <a:spLocks noGrp="1"/>
+          </p:cNvSpPr>
+          <p:nvPr>
+            <p:ph type="title"/>
+          </p:nvPr>
+        </p:nvSpPr>
+        <p:spPr>
+          <a:xfrm>
+            <a:off x="762999" y="304259"/>
+            <a:ext cx="10131425" cy="1456267"/>
+          </a:xfrm>
+        </p:spPr>
+        <p:txBody>
+          <a:bodyPr/>
+          <a:lstStyle/>
+          <a:p>
+            <a:r>
+              <a:rPr lang="fi-FI" dirty="0" smtClean="0"/>
+              <a:t>Pelin prototyyppi tällä hetkellä:</a:t>
+            </a:r>
+            <a:endParaRPr lang="fi-FI" dirty="0"/>
+          </a:p>
+        </p:txBody>
+      </p:sp>
+      <p:pic>
+        <p:nvPicPr>
+          <p:cNvPr id="4" name="Sisällön paikkamerkki 3"/>
+          <p:cNvPicPr>
+            <a:picLocks noGrp="1" noChangeAspect="1"/>
+          </p:cNvPicPr>
+          <p:nvPr>
+            <p:ph idx="1"/>
+          </p:nvPr>
+        </p:nvPicPr>
+        <p:blipFill>
+          <a:blip r:embed="rId2">
+            <a:extLst>
+              <a:ext uri="{28A0092B-C50C-407E-A947-70E740481C1C}">
+                <a14:useLocalDpi xmlns:a14="http://schemas.microsoft.com/office/drawing/2010/main" val="0"/>
+              </a:ext>
+            </a:extLst>
+          </a:blip>
+          <a:stretch>
+            <a:fillRect/>
+          </a:stretch>
+        </p:blipFill>
+        <p:spPr>
+          <a:xfrm>
+            <a:off x="1980611" y="1760526"/>
+            <a:ext cx="7696200" cy="4999242"/>
+          </a:xfrm>
+        </p:spPr>
+      </p:pic>
+    </p:spTree>
+    <p:extLst>
+      <p:ext uri="{BB962C8B-B14F-4D97-AF65-F5344CB8AC3E}">
+        <p14:creationId xmlns:p14="http://schemas.microsoft.com/office/powerpoint/2010/main" val="1685622902"/>
+      </p:ext>
+    </p:extLst>
+  </p:cSld>
+  <p:clrMapOvr>
+    <a:masterClrMapping/>
+  </p:clrMapOvr>
+  <p:timing>
+    <p:tnLst>
+      <p:par>
+        <p:cTn id="1" dur="indefinite" restart="never" nodeType="tmRoot"/>
+      </p:par>
+    </p:tnLst>
+  </p:timing>
+</p:sld>
+</file>
+
 <file path=ppt/slides/slide2.xml><?xml version="1.0" encoding="utf-8"?>
 <p:sld xmlns:a="http://schemas.openxmlformats.org/drawingml/2006/main" xmlns:r="http://schemas.openxmlformats.org/officeDocument/2006/relationships" xmlns:p="http://schemas.openxmlformats.org/presentationml/2006/main">
   <p:cSld>
@@ -7014,7 +7304,12 @@
             <p:ph type="title"/>
           </p:nvPr>
         </p:nvSpPr>
-        <p:spPr/>
+        <p:spPr>
+          <a:xfrm>
+            <a:off x="32947" y="0"/>
+            <a:ext cx="6164653" cy="1371600"/>
+          </a:xfrm>
+        </p:spPr>
         <p:txBody>
           <a:bodyPr/>
           <a:lstStyle/>
@@ -7044,29 +7339,151 @@
               <a:rPr lang="fi-FI" b="1" dirty="0" err="1" smtClean="0"/>
               <a:t>mockups</a:t>
             </a:r>
-            <a:endParaRPr lang="fi-FI" b="1" dirty="0" smtClean="0"/>
           </a:p>
           <a:p>
             <a:endParaRPr lang="fi-FI" dirty="0"/>
           </a:p>
         </p:txBody>
       </p:sp>
-      <p:sp>
-        <p:nvSpPr>
-          <p:cNvPr id="3" name="Sisällön paikkamerkki 2"/>
-          <p:cNvSpPr>
-            <a:spLocks noGrp="1"/>
-          </p:cNvSpPr>
-          <p:nvPr>
-            <p:ph idx="1"/>
-          </p:nvPr>
-        </p:nvSpPr>
-        <p:spPr/>
-        <p:txBody>
-          <a:bodyPr/>
-          <a:lstStyle/>
-          <a:p>
-            <a:endParaRPr lang="fi-FI"/>
+      <p:pic>
+        <p:nvPicPr>
+          <p:cNvPr id="4" name="Sisällön paikkamerkki 3"/>
+          <p:cNvPicPr>
+            <a:picLocks noGrp="1" noChangeAspect="1"/>
+          </p:cNvPicPr>
+          <p:nvPr>
+            <p:ph type="pic" idx="1"/>
+          </p:nvPr>
+        </p:nvPicPr>
+        <p:blipFill>
+          <a:blip r:embed="rId2">
+            <a:extLst>
+              <a:ext uri="{28A0092B-C50C-407E-A947-70E740481C1C}">
+                <a14:useLocalDpi xmlns:a14="http://schemas.microsoft.com/office/drawing/2010/main" val="0"/>
+              </a:ext>
+            </a:extLst>
+          </a:blip>
+          <a:srcRect l="6999" r="6999"/>
+          <a:stretch>
+            <a:fillRect/>
+          </a:stretch>
+        </p:blipFill>
+        <p:spPr>
+          <a:xfrm>
+            <a:off x="6850453" y="154284"/>
+            <a:ext cx="4688404" cy="6533237"/>
+          </a:xfrm>
+        </p:spPr>
+      </p:pic>
+      <p:sp>
+        <p:nvSpPr>
+          <p:cNvPr id="7" name="Otsikko 1"/>
+          <p:cNvSpPr txBox="1">
+            <a:spLocks/>
+          </p:cNvSpPr>
+          <p:nvPr/>
+        </p:nvSpPr>
+        <p:spPr>
+          <a:xfrm>
+            <a:off x="413801" y="1923143"/>
+            <a:ext cx="5402943" cy="1371600"/>
+          </a:xfrm>
+          <a:prstGeom prst="rect">
+            <a:avLst/>
+          </a:prstGeom>
+          <a:effectLst/>
+        </p:spPr>
+        <p:txBody>
+          <a:bodyPr vert="horz" lIns="91440" tIns="45720" rIns="91440" bIns="45720" rtlCol="0" anchor="b">
+            <a:normAutofit/>
+          </a:bodyPr>
+          <a:lstStyle>
+            <a:lvl1pPr algn="l" defTabSz="457200" rtl="0" eaLnBrk="1" latinLnBrk="0" hangingPunct="1">
+              <a:spcBef>
+                <a:spcPct val="0"/>
+              </a:spcBef>
+              <a:buNone/>
+              <a:defRPr sz="2800" b="0" kern="1200" cap="all">
+                <a:ln w="3175" cmpd="sng">
+                  <a:noFill/>
+                </a:ln>
+                <a:solidFill>
+                  <a:schemeClr val="tx1"/>
+                </a:solidFill>
+                <a:effectLst/>
+                <a:latin typeface="+mj-lt"/>
+                <a:ea typeface="+mj-ea"/>
+                <a:cs typeface="+mj-cs"/>
+              </a:defRPr>
+            </a:lvl1pPr>
+            <a:lvl2pPr eaLnBrk="1" hangingPunct="1">
+              <a:defRPr>
+                <a:solidFill>
+                  <a:schemeClr val="tx2"/>
+                </a:solidFill>
+              </a:defRPr>
+            </a:lvl2pPr>
+            <a:lvl3pPr eaLnBrk="1" hangingPunct="1">
+              <a:defRPr>
+                <a:solidFill>
+                  <a:schemeClr val="tx2"/>
+                </a:solidFill>
+              </a:defRPr>
+            </a:lvl3pPr>
+            <a:lvl4pPr eaLnBrk="1" hangingPunct="1">
+              <a:defRPr>
+                <a:solidFill>
+                  <a:schemeClr val="tx2"/>
+                </a:solidFill>
+              </a:defRPr>
+            </a:lvl4pPr>
+            <a:lvl5pPr eaLnBrk="1" hangingPunct="1">
+              <a:defRPr>
+                <a:solidFill>
+                  <a:schemeClr val="tx2"/>
+                </a:solidFill>
+              </a:defRPr>
+            </a:lvl5pPr>
+            <a:lvl6pPr eaLnBrk="1" hangingPunct="1">
+              <a:defRPr>
+                <a:solidFill>
+                  <a:schemeClr val="tx2"/>
+                </a:solidFill>
+              </a:defRPr>
+            </a:lvl6pPr>
+            <a:lvl7pPr eaLnBrk="1" hangingPunct="1">
+              <a:defRPr>
+                <a:solidFill>
+                  <a:schemeClr val="tx2"/>
+                </a:solidFill>
+              </a:defRPr>
+            </a:lvl7pPr>
+            <a:lvl8pPr eaLnBrk="1" hangingPunct="1">
+              <a:defRPr>
+                <a:solidFill>
+                  <a:schemeClr val="tx2"/>
+                </a:solidFill>
+              </a:defRPr>
+            </a:lvl8pPr>
+            <a:lvl9pPr eaLnBrk="1" hangingPunct="1">
+              <a:defRPr>
+                <a:solidFill>
+                  <a:schemeClr val="tx2"/>
+                </a:solidFill>
+              </a:defRPr>
+            </a:lvl9pPr>
+          </a:lstStyle>
+          <a:p>
+            <a:pPr>
+              <a:defRPr/>
+            </a:pPr>
+            <a:r>
+              <a:rPr lang="fi-FI" dirty="0" smtClean="0"/>
+              <a:t>Alkuvalikko</a:t>
+            </a:r>
+          </a:p>
+          <a:p>
+            <a:endParaRPr lang="fi-FI" dirty="0"/>
           </a:p>
         </p:txBody>
       </p:sp>
@@ -7074,6 +7491,287 @@
     <p:extLst>
       <p:ext uri="{BB962C8B-B14F-4D97-AF65-F5344CB8AC3E}">
         <p14:creationId xmlns:p14="http://schemas.microsoft.com/office/powerpoint/2010/main" val="2746993284"/>
+      </p:ext>
+    </p:extLst>
+  </p:cSld>
+  <p:clrMapOvr>
+    <a:masterClrMapping/>
+  </p:clrMapOvr>
+  <p:timing>
+    <p:tnLst>
+      <p:par>
+        <p:cTn id="1" dur="indefinite" restart="never" nodeType="tmRoot"/>
+      </p:par>
+    </p:tnLst>
+  </p:timing>
+</p:sld>
+</file>
+
+<file path=ppt/slides/slide7.xml><?xml version="1.0" encoding="utf-8"?>
+<p:sld xmlns:a="http://schemas.openxmlformats.org/drawingml/2006/main" xmlns:r="http://schemas.openxmlformats.org/officeDocument/2006/relationships" xmlns:p="http://schemas.openxmlformats.org/presentationml/2006/main">
+  <p:cSld>
+    <p:spTree>
+      <p:nvGrpSpPr>
+        <p:cNvPr id="1" name=""/>
+        <p:cNvGrpSpPr/>
+        <p:nvPr/>
+      </p:nvGrpSpPr>
+      <p:grpSpPr>
+        <a:xfrm>
+          <a:off x="0" y="0"/>
+          <a:ext cx="0" cy="0"/>
+          <a:chOff x="0" y="0"/>
+          <a:chExt cx="0" cy="0"/>
+        </a:xfrm>
+      </p:grpSpPr>
+      <p:sp>
+        <p:nvSpPr>
+          <p:cNvPr id="6" name="Otsikko 5"/>
+          <p:cNvSpPr>
+            <a:spLocks noGrp="1"/>
+          </p:cNvSpPr>
+          <p:nvPr>
+            <p:ph type="title"/>
+          </p:nvPr>
+        </p:nvSpPr>
+        <p:spPr/>
+        <p:txBody>
+          <a:bodyPr/>
+          <a:lstStyle/>
+          <a:p>
+            <a:r>
+              <a:rPr lang="fi-FI" dirty="0"/>
+              <a:t>Uusi peli valikko</a:t>
+            </a:r>
+            <a:r>
+              <a:rPr lang="fi-FI" dirty="0" smtClean="0"/>
+              <a:t>.</a:t>
+            </a:r>
+            <a:endParaRPr lang="fi-FI" dirty="0"/>
+          </a:p>
+        </p:txBody>
+      </p:sp>
+      <p:pic>
+        <p:nvPicPr>
+          <p:cNvPr id="5" name="Kuvan paikkamerkki 4"/>
+          <p:cNvPicPr>
+            <a:picLocks noGrp="1" noChangeAspect="1"/>
+          </p:cNvPicPr>
+          <p:nvPr>
+            <p:ph idx="1"/>
+          </p:nvPr>
+        </p:nvPicPr>
+        <p:blipFill>
+          <a:blip r:embed="rId2">
+            <a:extLst>
+              <a:ext uri="{28A0092B-C50C-407E-A947-70E740481C1C}">
+                <a14:useLocalDpi xmlns:a14="http://schemas.microsoft.com/office/drawing/2010/main" val="0"/>
+              </a:ext>
+            </a:extLst>
+          </a:blip>
+          <a:stretch>
+            <a:fillRect/>
+          </a:stretch>
+        </p:blipFill>
+        <p:spPr>
+          <a:xfrm>
+            <a:off x="4396191" y="609599"/>
+            <a:ext cx="5605059" cy="5956131"/>
+          </a:xfrm>
+        </p:spPr>
+      </p:pic>
+    </p:spTree>
+    <p:extLst>
+      <p:ext uri="{BB962C8B-B14F-4D97-AF65-F5344CB8AC3E}">
+        <p14:creationId xmlns:p14="http://schemas.microsoft.com/office/powerpoint/2010/main" val="2642113226"/>
+      </p:ext>
+    </p:extLst>
+  </p:cSld>
+  <p:clrMapOvr>
+    <a:masterClrMapping/>
+  </p:clrMapOvr>
+  <p:timing>
+    <p:tnLst>
+      <p:par>
+        <p:cTn id="1" dur="indefinite" restart="never" nodeType="tmRoot"/>
+      </p:par>
+    </p:tnLst>
+  </p:timing>
+</p:sld>
+</file>
+
+<file path=ppt/slides/slide8.xml><?xml version="1.0" encoding="utf-8"?>
+<p:sld xmlns:a="http://schemas.openxmlformats.org/drawingml/2006/main" xmlns:r="http://schemas.openxmlformats.org/officeDocument/2006/relationships" xmlns:p="http://schemas.openxmlformats.org/presentationml/2006/main">
+  <p:cSld>
+    <p:spTree>
+      <p:nvGrpSpPr>
+        <p:cNvPr id="1" name=""/>
+        <p:cNvGrpSpPr/>
+        <p:nvPr/>
+      </p:nvGrpSpPr>
+      <p:grpSpPr>
+        <a:xfrm>
+          <a:off x="0" y="0"/>
+          <a:ext cx="0" cy="0"/>
+          <a:chOff x="0" y="0"/>
+          <a:chExt cx="0" cy="0"/>
+        </a:xfrm>
+      </p:grpSpPr>
+      <p:sp>
+        <p:nvSpPr>
+          <p:cNvPr id="2" name="Otsikko 1"/>
+          <p:cNvSpPr>
+            <a:spLocks noGrp="1"/>
+          </p:cNvSpPr>
+          <p:nvPr>
+            <p:ph type="title"/>
+          </p:nvPr>
+        </p:nvSpPr>
+        <p:spPr/>
+        <p:txBody>
+          <a:bodyPr/>
+          <a:lstStyle/>
+          <a:p>
+            <a:r>
+              <a:rPr lang="fi-FI" dirty="0" err="1" smtClean="0"/>
+              <a:t>High</a:t>
+            </a:r>
+            <a:r>
+              <a:rPr lang="fi-FI" dirty="0" smtClean="0"/>
+              <a:t> </a:t>
+            </a:r>
+            <a:r>
+              <a:rPr lang="fi-FI" dirty="0" err="1" smtClean="0"/>
+              <a:t>Scores</a:t>
+            </a:r>
+            <a:endParaRPr lang="fi-FI" dirty="0"/>
+          </a:p>
+        </p:txBody>
+      </p:sp>
+      <p:pic>
+        <p:nvPicPr>
+          <p:cNvPr id="5" name="Kuvan paikkamerkki 4"/>
+          <p:cNvPicPr>
+            <a:picLocks noGrp="1" noChangeAspect="1"/>
+          </p:cNvPicPr>
+          <p:nvPr>
+            <p:ph type="pic" idx="1"/>
+          </p:nvPr>
+        </p:nvPicPr>
+        <p:blipFill>
+          <a:blip r:embed="rId2">
+            <a:extLst>
+              <a:ext uri="{28A0092B-C50C-407E-A947-70E740481C1C}">
+                <a14:useLocalDpi xmlns:a14="http://schemas.microsoft.com/office/drawing/2010/main" val="0"/>
+              </a:ext>
+            </a:extLst>
+          </a:blip>
+          <a:srcRect t="1298" b="1298"/>
+          <a:stretch>
+            <a:fillRect/>
+          </a:stretch>
+        </p:blipFill>
+        <p:spPr>
+          <a:xfrm>
+            <a:off x="6850453" y="120953"/>
+            <a:ext cx="4746128" cy="6613676"/>
+          </a:xfrm>
+        </p:spPr>
+      </p:pic>
+    </p:spTree>
+    <p:extLst>
+      <p:ext uri="{BB962C8B-B14F-4D97-AF65-F5344CB8AC3E}">
+        <p14:creationId xmlns:p14="http://schemas.microsoft.com/office/powerpoint/2010/main" val="2828042850"/>
+      </p:ext>
+    </p:extLst>
+  </p:cSld>
+  <p:clrMapOvr>
+    <a:masterClrMapping/>
+  </p:clrMapOvr>
+  <p:timing>
+    <p:tnLst>
+      <p:par>
+        <p:cTn id="1" dur="indefinite" restart="never" nodeType="tmRoot"/>
+      </p:par>
+    </p:tnLst>
+  </p:timing>
+</p:sld>
+</file>
+
+<file path=ppt/slides/slide9.xml><?xml version="1.0" encoding="utf-8"?>
+<p:sld xmlns:a="http://schemas.openxmlformats.org/drawingml/2006/main" xmlns:r="http://schemas.openxmlformats.org/officeDocument/2006/relationships" xmlns:p="http://schemas.openxmlformats.org/presentationml/2006/main">
+  <p:cSld>
+    <p:spTree>
+      <p:nvGrpSpPr>
+        <p:cNvPr id="1" name=""/>
+        <p:cNvGrpSpPr/>
+        <p:nvPr/>
+      </p:nvGrpSpPr>
+      <p:grpSpPr>
+        <a:xfrm>
+          <a:off x="0" y="0"/>
+          <a:ext cx="0" cy="0"/>
+          <a:chOff x="0" y="0"/>
+          <a:chExt cx="0" cy="0"/>
+        </a:xfrm>
+      </p:grpSpPr>
+      <p:sp>
+        <p:nvSpPr>
+          <p:cNvPr id="2" name="Otsikko 1"/>
+          <p:cNvSpPr>
+            <a:spLocks noGrp="1"/>
+          </p:cNvSpPr>
+          <p:nvPr>
+            <p:ph type="title"/>
+          </p:nvPr>
+        </p:nvSpPr>
+        <p:spPr/>
+        <p:txBody>
+          <a:bodyPr/>
+          <a:lstStyle/>
+          <a:p>
+            <a:r>
+              <a:rPr lang="fi-FI" dirty="0" smtClean="0"/>
+              <a:t>Asetukset</a:t>
+            </a:r>
+            <a:endParaRPr lang="fi-FI" dirty="0"/>
+          </a:p>
+        </p:txBody>
+      </p:sp>
+      <p:pic>
+        <p:nvPicPr>
+          <p:cNvPr id="5" name="Kuvan paikkamerkki 4"/>
+          <p:cNvPicPr>
+            <a:picLocks noGrp="1" noChangeAspect="1"/>
+          </p:cNvPicPr>
+          <p:nvPr>
+            <p:ph type="pic" idx="1"/>
+          </p:nvPr>
+        </p:nvPicPr>
+        <p:blipFill>
+          <a:blip r:embed="rId2">
+            <a:extLst>
+              <a:ext uri="{28A0092B-C50C-407E-A947-70E740481C1C}">
+                <a14:useLocalDpi xmlns:a14="http://schemas.microsoft.com/office/drawing/2010/main" val="0"/>
+              </a:ext>
+            </a:extLst>
+          </a:blip>
+          <a:srcRect l="1998" r="1998"/>
+          <a:stretch>
+            <a:fillRect/>
+          </a:stretch>
+        </p:blipFill>
+        <p:spPr>
+          <a:xfrm>
+            <a:off x="6850453" y="146425"/>
+            <a:ext cx="4717433" cy="6573689"/>
+          </a:xfrm>
+        </p:spPr>
+      </p:pic>
+    </p:spTree>
+    <p:extLst>
+      <p:ext uri="{BB962C8B-B14F-4D97-AF65-F5344CB8AC3E}">
+        <p14:creationId xmlns:p14="http://schemas.microsoft.com/office/powerpoint/2010/main" val="3174048705"/>
       </p:ext>
     </p:extLst>
   </p:cSld>

--- a/Documentation/SpaceShooter.pptx
+++ b/Documentation/SpaceShooter.pptx
@@ -12,7 +12,7 @@
     <p:sldId id="257" r:id="rId3"/>
     <p:sldId id="258" r:id="rId4"/>
     <p:sldId id="259" r:id="rId5"/>
-    <p:sldId id="260" r:id="rId6"/>
+    <p:sldId id="268" r:id="rId6"/>
     <p:sldId id="261" r:id="rId7"/>
     <p:sldId id="262" r:id="rId8"/>
     <p:sldId id="263" r:id="rId9"/>
@@ -7135,32 +7135,21 @@
             <p:ph type="title"/>
           </p:nvPr>
         </p:nvSpPr>
-        <p:spPr/>
+        <p:spPr>
+          <a:xfrm>
+            <a:off x="0" y="0"/>
+            <a:ext cx="10131425" cy="1456267"/>
+          </a:xfrm>
+        </p:spPr>
         <p:txBody>
           <a:bodyPr/>
           <a:lstStyle/>
           <a:p>
-            <a:pPr marL="0" marR="0" indent="0" algn="l" defTabSz="457200" rtl="0" eaLnBrk="1" fontAlgn="auto" latinLnBrk="0" hangingPunct="1">
-              <a:lnSpc>
-                <a:spcPct val="100000"/>
-              </a:lnSpc>
-              <a:spcBef>
-                <a:spcPct val="0"/>
-              </a:spcBef>
-              <a:spcAft>
-                <a:spcPts val="0"/>
-              </a:spcAft>
-              <a:buClrTx/>
-              <a:buSzTx/>
-              <a:buFontTx/>
-              <a:buNone/>
-              <a:tabLst/>
-              <a:defRPr/>
-            </a:pPr>
-            <a:r>
-              <a:rPr lang="fi-FI" b="1" dirty="0" smtClean="0"/>
-              <a:t>Rakennekaavio</a:t>
-            </a:r>
+            <a:r>
+              <a:rPr lang="fi-FI" dirty="0" smtClean="0"/>
+              <a:t>luokkakaavio</a:t>
+            </a:r>
+            <a:endParaRPr lang="fi-FI" dirty="0"/>
           </a:p>
         </p:txBody>
       </p:sp>
@@ -7171,109 +7160,38 @@
             <a:picLocks noGrp="1" noChangeAspect="1"/>
           </p:cNvPicPr>
           <p:nvPr>
-            <p:ph type="pic" idx="1"/>
+            <p:ph idx="1"/>
           </p:nvPr>
         </p:nvPicPr>
         <p:blipFill>
-          <a:blip r:embed="rId2"/>
-          <a:srcRect l="7080" r="7080"/>
+          <a:blip r:embed="rId2">
+            <a:extLst>
+              <a:ext uri="{28A0092B-C50C-407E-A947-70E740481C1C}">
+                <a14:useLocalDpi xmlns:a14="http://schemas.microsoft.com/office/drawing/2010/main" val="0"/>
+              </a:ext>
+            </a:extLst>
+          </a:blip>
           <a:stretch>
             <a:fillRect/>
           </a:stretch>
         </p:blipFill>
         <p:spPr>
           <a:xfrm>
-            <a:off x="6850453" y="-41255"/>
-            <a:ext cx="5080290" cy="7079327"/>
+            <a:off x="3702543" y="180623"/>
+            <a:ext cx="5326341" cy="6513689"/>
           </a:xfrm>
-          <a:prstGeom prst="rect">
-            <a:avLst/>
-          </a:prstGeom>
         </p:spPr>
       </p:pic>
-      <p:sp>
-        <p:nvSpPr>
-          <p:cNvPr id="5" name="Tekstin paikkamerkki 4"/>
-          <p:cNvSpPr>
-            <a:spLocks noGrp="1"/>
-          </p:cNvSpPr>
-          <p:nvPr>
-            <p:ph type="body" sz="half" idx="2"/>
-          </p:nvPr>
-        </p:nvSpPr>
-        <p:spPr>
-          <a:xfrm>
-            <a:off x="566058" y="2971800"/>
-            <a:ext cx="6284396" cy="2108200"/>
-          </a:xfrm>
-        </p:spPr>
-        <p:txBody>
-          <a:bodyPr>
-            <a:normAutofit lnSpcReduction="10000"/>
-          </a:bodyPr>
-          <a:lstStyle/>
-          <a:p>
-            <a:pPr marL="0" indent="0">
-              <a:buNone/>
-            </a:pPr>
-            <a:r>
-              <a:rPr lang="fi-FI" sz="2000" b="1" dirty="0" err="1" smtClean="0"/>
-              <a:t>SpaceShooterGame</a:t>
-            </a:r>
-            <a:endParaRPr lang="fi-FI" sz="2000" b="1" dirty="0" smtClean="0"/>
-          </a:p>
-          <a:p>
-            <a:r>
-              <a:rPr lang="fi-FI" sz="2000" dirty="0" smtClean="0"/>
-              <a:t>Pelin pääluokka, joka sisältää (käyttöliittymää </a:t>
-            </a:r>
-            <a:r>
-              <a:rPr lang="fi-FI" sz="2000" dirty="0" err="1" smtClean="0"/>
-              <a:t>lukuunottamatta</a:t>
-            </a:r>
-            <a:r>
-              <a:rPr lang="fi-FI" sz="2000" dirty="0" smtClean="0"/>
-              <a:t>) kaiken peliin kuuluvan sisällään. Se luodaan kerran ohjelman suorituksen alussa ja sitä käytetään sen loppuun asti. Periytyy </a:t>
-            </a:r>
-            <a:r>
-              <a:rPr lang="fi-FI" sz="2000" dirty="0" err="1" smtClean="0"/>
-              <a:t>MonoGamen</a:t>
-            </a:r>
-            <a:r>
-              <a:rPr lang="fi-FI" sz="2000" dirty="0" smtClean="0"/>
-              <a:t> </a:t>
-            </a:r>
-            <a:r>
-              <a:rPr lang="fi-FI" sz="2000" dirty="0" err="1" smtClean="0"/>
-              <a:t>Game</a:t>
-            </a:r>
-            <a:r>
-              <a:rPr lang="fi-FI" sz="2000" dirty="0" smtClean="0"/>
-              <a:t>-luokasta.</a:t>
-            </a:r>
-          </a:p>
-          <a:p>
-            <a:endParaRPr lang="fi-FI" dirty="0"/>
-          </a:p>
-        </p:txBody>
-      </p:sp>
     </p:spTree>
     <p:extLst>
       <p:ext uri="{BB962C8B-B14F-4D97-AF65-F5344CB8AC3E}">
-        <p14:creationId xmlns:p14="http://schemas.microsoft.com/office/powerpoint/2010/main" val="1977376843"/>
+        <p14:creationId xmlns:p14="http://schemas.microsoft.com/office/powerpoint/2010/main" val="1092081302"/>
       </p:ext>
     </p:extLst>
   </p:cSld>
   <p:clrMapOvr>
     <a:masterClrMapping/>
   </p:clrMapOvr>
-  <p:timing>
-    <p:tnLst>
-      <p:par>
-        <p:cTn id="1" dur="indefinite" restart="never" nodeType="tmRoot"/>
-      </p:par>
-    </p:tnLst>
-  </p:timing>
 </p:sld>
 </file>
 

--- a/Documentation/SpaceShooter.pptx
+++ b/Documentation/SpaceShooter.pptx
@@ -12,14 +12,14 @@
     <p:sldId id="257" r:id="rId3"/>
     <p:sldId id="258" r:id="rId4"/>
     <p:sldId id="259" r:id="rId5"/>
-    <p:sldId id="268" r:id="rId6"/>
-    <p:sldId id="261" r:id="rId7"/>
-    <p:sldId id="262" r:id="rId8"/>
-    <p:sldId id="263" r:id="rId9"/>
-    <p:sldId id="264" r:id="rId10"/>
-    <p:sldId id="265" r:id="rId11"/>
-    <p:sldId id="266" r:id="rId12"/>
-    <p:sldId id="267" r:id="rId13"/>
+    <p:sldId id="261" r:id="rId6"/>
+    <p:sldId id="262" r:id="rId7"/>
+    <p:sldId id="263" r:id="rId8"/>
+    <p:sldId id="264" r:id="rId9"/>
+    <p:sldId id="265" r:id="rId10"/>
+    <p:sldId id="266" r:id="rId11"/>
+    <p:sldId id="267" r:id="rId12"/>
+    <p:sldId id="268" r:id="rId13"/>
   </p:sldIdLst>
   <p:sldSz cx="12192000" cy="6858000"/>
   <p:notesSz cx="6858000" cy="9144000"/>
@@ -6349,97 +6349,6 @@
             <p:ph type="title"/>
           </p:nvPr>
         </p:nvSpPr>
-        <p:spPr/>
-        <p:txBody>
-          <a:bodyPr>
-            <a:normAutofit/>
-          </a:bodyPr>
-          <a:lstStyle/>
-          <a:p>
-            <a:r>
-              <a:rPr lang="fi-FI" dirty="0" smtClean="0"/>
-              <a:t>Inventory/ Shop</a:t>
-            </a:r>
-            <a:endParaRPr lang="fi-FI" dirty="0"/>
-          </a:p>
-        </p:txBody>
-      </p:sp>
-      <p:pic>
-        <p:nvPicPr>
-          <p:cNvPr id="5" name="Kuvan paikkamerkki 4"/>
-          <p:cNvPicPr>
-            <a:picLocks noGrp="1" noChangeAspect="1"/>
-          </p:cNvPicPr>
-          <p:nvPr>
-            <p:ph idx="1"/>
-          </p:nvPr>
-        </p:nvPicPr>
-        <p:blipFill>
-          <a:blip r:embed="rId2">
-            <a:extLst>
-              <a:ext uri="{28A0092B-C50C-407E-A947-70E740481C1C}">
-                <a14:useLocalDpi xmlns:a14="http://schemas.microsoft.com/office/drawing/2010/main" val="0"/>
-              </a:ext>
-            </a:extLst>
-          </a:blip>
-          <a:stretch>
-            <a:fillRect/>
-          </a:stretch>
-        </p:blipFill>
-        <p:spPr>
-          <a:xfrm>
-            <a:off x="1771651" y="1644451"/>
-            <a:ext cx="8667750" cy="5056909"/>
-          </a:xfrm>
-        </p:spPr>
-      </p:pic>
-    </p:spTree>
-    <p:extLst>
-      <p:ext uri="{BB962C8B-B14F-4D97-AF65-F5344CB8AC3E}">
-        <p14:creationId xmlns:p14="http://schemas.microsoft.com/office/powerpoint/2010/main" val="2136605178"/>
-      </p:ext>
-    </p:extLst>
-  </p:cSld>
-  <p:clrMapOvr>
-    <a:masterClrMapping/>
-  </p:clrMapOvr>
-  <p:timing>
-    <p:tnLst>
-      <p:par>
-        <p:cTn id="1" dur="indefinite" restart="never" nodeType="tmRoot"/>
-      </p:par>
-    </p:tnLst>
-  </p:timing>
-</p:sld>
-</file>
-
-<file path=ppt/slides/slide11.xml><?xml version="1.0" encoding="utf-8"?>
-<p:sld xmlns:a="http://schemas.openxmlformats.org/drawingml/2006/main" xmlns:r="http://schemas.openxmlformats.org/officeDocument/2006/relationships" xmlns:p="http://schemas.openxmlformats.org/presentationml/2006/main">
-  <p:cSld>
-    <p:spTree>
-      <p:nvGrpSpPr>
-        <p:cNvPr id="1" name=""/>
-        <p:cNvGrpSpPr/>
-        <p:nvPr/>
-      </p:nvGrpSpPr>
-      <p:grpSpPr>
-        <a:xfrm>
-          <a:off x="0" y="0"/>
-          <a:ext cx="0" cy="0"/>
-          <a:chOff x="0" y="0"/>
-          <a:chExt cx="0" cy="0"/>
-        </a:xfrm>
-      </p:grpSpPr>
-      <p:sp>
-        <p:nvSpPr>
-          <p:cNvPr id="2" name="Otsikko 1"/>
-          <p:cNvSpPr>
-            <a:spLocks noGrp="1"/>
-          </p:cNvSpPr>
-          <p:nvPr>
-            <p:ph type="title"/>
-          </p:nvPr>
-        </p:nvSpPr>
         <p:spPr>
           <a:xfrm>
             <a:off x="1096961" y="207084"/>
@@ -6507,7 +6416,7 @@
 </p:sld>
 </file>
 
-<file path=ppt/slides/slide12.xml><?xml version="1.0" encoding="utf-8"?>
+<file path=ppt/slides/slide11.xml><?xml version="1.0" encoding="utf-8"?>
 <p:sld xmlns:a="http://schemas.openxmlformats.org/drawingml/2006/main" xmlns:r="http://schemas.openxmlformats.org/officeDocument/2006/relationships" xmlns:p="http://schemas.openxmlformats.org/presentationml/2006/main">
   <p:cSld>
     <p:spTree>
@@ -6601,6 +6510,93 @@
 </p:sld>
 </file>
 
+<file path=ppt/slides/slide12.xml><?xml version="1.0" encoding="utf-8"?>
+<p:sld xmlns:a="http://schemas.openxmlformats.org/drawingml/2006/main" xmlns:r="http://schemas.openxmlformats.org/officeDocument/2006/relationships" xmlns:p="http://schemas.openxmlformats.org/presentationml/2006/main">
+  <p:cSld>
+    <p:spTree>
+      <p:nvGrpSpPr>
+        <p:cNvPr id="1" name=""/>
+        <p:cNvGrpSpPr/>
+        <p:nvPr/>
+      </p:nvGrpSpPr>
+      <p:grpSpPr>
+        <a:xfrm>
+          <a:off x="0" y="0"/>
+          <a:ext cx="0" cy="0"/>
+          <a:chOff x="0" y="0"/>
+          <a:chExt cx="0" cy="0"/>
+        </a:xfrm>
+      </p:grpSpPr>
+      <p:sp>
+        <p:nvSpPr>
+          <p:cNvPr id="2" name="Otsikko 1"/>
+          <p:cNvSpPr>
+            <a:spLocks noGrp="1"/>
+          </p:cNvSpPr>
+          <p:nvPr>
+            <p:ph type="title"/>
+          </p:nvPr>
+        </p:nvSpPr>
+        <p:spPr>
+          <a:xfrm>
+            <a:off x="0" y="0"/>
+            <a:ext cx="10131425" cy="1456267"/>
+          </a:xfrm>
+        </p:spPr>
+        <p:txBody>
+          <a:bodyPr/>
+          <a:lstStyle/>
+          <a:p>
+            <a:r>
+              <a:rPr lang="fi-FI" dirty="0" smtClean="0"/>
+              <a:t>luokkakaavio</a:t>
+            </a:r>
+            <a:endParaRPr lang="fi-FI" dirty="0"/>
+          </a:p>
+        </p:txBody>
+      </p:sp>
+      <p:pic>
+        <p:nvPicPr>
+          <p:cNvPr id="4" name="Sisällön paikkamerkki 3"/>
+          <p:cNvPicPr>
+            <a:picLocks noGrp="1" noChangeAspect="1"/>
+          </p:cNvPicPr>
+          <p:nvPr>
+            <p:ph idx="1"/>
+          </p:nvPr>
+        </p:nvPicPr>
+        <p:blipFill>
+          <a:blip r:embed="rId2">
+            <a:extLst>
+              <a:ext uri="{28A0092B-C50C-407E-A947-70E740481C1C}">
+                <a14:useLocalDpi xmlns:a14="http://schemas.microsoft.com/office/drawing/2010/main" val="0"/>
+              </a:ext>
+            </a:extLst>
+          </a:blip>
+          <a:stretch>
+            <a:fillRect/>
+          </a:stretch>
+        </p:blipFill>
+        <p:spPr>
+          <a:xfrm>
+            <a:off x="3702543" y="180623"/>
+            <a:ext cx="5326341" cy="6513689"/>
+          </a:xfrm>
+        </p:spPr>
+      </p:pic>
+    </p:spTree>
+    <p:extLst>
+      <p:ext uri="{BB962C8B-B14F-4D97-AF65-F5344CB8AC3E}">
+        <p14:creationId xmlns:p14="http://schemas.microsoft.com/office/powerpoint/2010/main" val="1092081302"/>
+      </p:ext>
+    </p:extLst>
+  </p:cSld>
+  <p:clrMapOvr>
+    <a:masterClrMapping/>
+  </p:clrMapOvr>
+</p:sld>
+</file>
+
 <file path=ppt/slides/slide2.xml><?xml version="1.0" encoding="utf-8"?>
 <p:sld xmlns:a="http://schemas.openxmlformats.org/drawingml/2006/main" xmlns:r="http://schemas.openxmlformats.org/officeDocument/2006/relationships" xmlns:p="http://schemas.openxmlformats.org/presentationml/2006/main">
   <p:cSld>
@@ -7137,93 +7133,6 @@
         </p:nvSpPr>
         <p:spPr>
           <a:xfrm>
-            <a:off x="0" y="0"/>
-            <a:ext cx="10131425" cy="1456267"/>
-          </a:xfrm>
-        </p:spPr>
-        <p:txBody>
-          <a:bodyPr/>
-          <a:lstStyle/>
-          <a:p>
-            <a:r>
-              <a:rPr lang="fi-FI" dirty="0" smtClean="0"/>
-              <a:t>luokkakaavio</a:t>
-            </a:r>
-            <a:endParaRPr lang="fi-FI" dirty="0"/>
-          </a:p>
-        </p:txBody>
-      </p:sp>
-      <p:pic>
-        <p:nvPicPr>
-          <p:cNvPr id="4" name="Sisällön paikkamerkki 3"/>
-          <p:cNvPicPr>
-            <a:picLocks noGrp="1" noChangeAspect="1"/>
-          </p:cNvPicPr>
-          <p:nvPr>
-            <p:ph idx="1"/>
-          </p:nvPr>
-        </p:nvPicPr>
-        <p:blipFill>
-          <a:blip r:embed="rId2">
-            <a:extLst>
-              <a:ext uri="{28A0092B-C50C-407E-A947-70E740481C1C}">
-                <a14:useLocalDpi xmlns:a14="http://schemas.microsoft.com/office/drawing/2010/main" val="0"/>
-              </a:ext>
-            </a:extLst>
-          </a:blip>
-          <a:stretch>
-            <a:fillRect/>
-          </a:stretch>
-        </p:blipFill>
-        <p:spPr>
-          <a:xfrm>
-            <a:off x="3702543" y="180623"/>
-            <a:ext cx="5326341" cy="6513689"/>
-          </a:xfrm>
-        </p:spPr>
-      </p:pic>
-    </p:spTree>
-    <p:extLst>
-      <p:ext uri="{BB962C8B-B14F-4D97-AF65-F5344CB8AC3E}">
-        <p14:creationId xmlns:p14="http://schemas.microsoft.com/office/powerpoint/2010/main" val="1092081302"/>
-      </p:ext>
-    </p:extLst>
-  </p:cSld>
-  <p:clrMapOvr>
-    <a:masterClrMapping/>
-  </p:clrMapOvr>
-</p:sld>
-</file>
-
-<file path=ppt/slides/slide6.xml><?xml version="1.0" encoding="utf-8"?>
-<p:sld xmlns:a="http://schemas.openxmlformats.org/drawingml/2006/main" xmlns:r="http://schemas.openxmlformats.org/officeDocument/2006/relationships" xmlns:p="http://schemas.openxmlformats.org/presentationml/2006/main">
-  <p:cSld>
-    <p:spTree>
-      <p:nvGrpSpPr>
-        <p:cNvPr id="1" name=""/>
-        <p:cNvGrpSpPr/>
-        <p:nvPr/>
-      </p:nvGrpSpPr>
-      <p:grpSpPr>
-        <a:xfrm>
-          <a:off x="0" y="0"/>
-          <a:ext cx="0" cy="0"/>
-          <a:chOff x="0" y="0"/>
-          <a:chExt cx="0" cy="0"/>
-        </a:xfrm>
-      </p:grpSpPr>
-      <p:sp>
-        <p:nvSpPr>
-          <p:cNvPr id="2" name="Otsikko 1"/>
-          <p:cNvSpPr>
-            <a:spLocks noGrp="1"/>
-          </p:cNvSpPr>
-          <p:nvPr>
-            <p:ph type="title"/>
-          </p:nvPr>
-        </p:nvSpPr>
-        <p:spPr>
-          <a:xfrm>
             <a:off x="32947" y="0"/>
             <a:ext cx="6164653" cy="1371600"/>
           </a:xfrm>
@@ -7425,7 +7334,7 @@
 </p:sld>
 </file>
 
-<file path=ppt/slides/slide7.xml><?xml version="1.0" encoding="utf-8"?>
+<file path=ppt/slides/slide6.xml><?xml version="1.0" encoding="utf-8"?>
 <p:sld xmlns:a="http://schemas.openxmlformats.org/drawingml/2006/main" xmlns:r="http://schemas.openxmlformats.org/officeDocument/2006/relationships" xmlns:p="http://schemas.openxmlformats.org/presentationml/2006/main">
   <p:cSld>
     <p:spTree>
@@ -7518,7 +7427,7 @@
 </p:sld>
 </file>
 
-<file path=ppt/slides/slide8.xml><?xml version="1.0" encoding="utf-8"?>
+<file path=ppt/slides/slide7.xml><?xml version="1.0" encoding="utf-8"?>
 <p:sld xmlns:a="http://schemas.openxmlformats.org/drawingml/2006/main" xmlns:r="http://schemas.openxmlformats.org/officeDocument/2006/relationships" xmlns:p="http://schemas.openxmlformats.org/presentationml/2006/main">
   <p:cSld>
     <p:spTree>
@@ -7616,7 +7525,7 @@
 </p:sld>
 </file>
 
-<file path=ppt/slides/slide9.xml><?xml version="1.0" encoding="utf-8"?>
+<file path=ppt/slides/slide8.xml><?xml version="1.0" encoding="utf-8"?>
 <p:sld xmlns:a="http://schemas.openxmlformats.org/drawingml/2006/main" xmlns:r="http://schemas.openxmlformats.org/officeDocument/2006/relationships" xmlns:p="http://schemas.openxmlformats.org/presentationml/2006/main">
   <p:cSld>
     <p:spTree>
@@ -7690,6 +7599,97 @@
     <p:extLst>
       <p:ext uri="{BB962C8B-B14F-4D97-AF65-F5344CB8AC3E}">
         <p14:creationId xmlns:p14="http://schemas.microsoft.com/office/powerpoint/2010/main" val="3174048705"/>
+      </p:ext>
+    </p:extLst>
+  </p:cSld>
+  <p:clrMapOvr>
+    <a:masterClrMapping/>
+  </p:clrMapOvr>
+  <p:timing>
+    <p:tnLst>
+      <p:par>
+        <p:cTn id="1" dur="indefinite" restart="never" nodeType="tmRoot"/>
+      </p:par>
+    </p:tnLst>
+  </p:timing>
+</p:sld>
+</file>
+
+<file path=ppt/slides/slide9.xml><?xml version="1.0" encoding="utf-8"?>
+<p:sld xmlns:a="http://schemas.openxmlformats.org/drawingml/2006/main" xmlns:r="http://schemas.openxmlformats.org/officeDocument/2006/relationships" xmlns:p="http://schemas.openxmlformats.org/presentationml/2006/main">
+  <p:cSld>
+    <p:spTree>
+      <p:nvGrpSpPr>
+        <p:cNvPr id="1" name=""/>
+        <p:cNvGrpSpPr/>
+        <p:nvPr/>
+      </p:nvGrpSpPr>
+      <p:grpSpPr>
+        <a:xfrm>
+          <a:off x="0" y="0"/>
+          <a:ext cx="0" cy="0"/>
+          <a:chOff x="0" y="0"/>
+          <a:chExt cx="0" cy="0"/>
+        </a:xfrm>
+      </p:grpSpPr>
+      <p:sp>
+        <p:nvSpPr>
+          <p:cNvPr id="2" name="Otsikko 1"/>
+          <p:cNvSpPr>
+            <a:spLocks noGrp="1"/>
+          </p:cNvSpPr>
+          <p:nvPr>
+            <p:ph type="title"/>
+          </p:nvPr>
+        </p:nvSpPr>
+        <p:spPr/>
+        <p:txBody>
+          <a:bodyPr>
+            <a:normAutofit/>
+          </a:bodyPr>
+          <a:lstStyle/>
+          <a:p>
+            <a:r>
+              <a:rPr lang="fi-FI" dirty="0" smtClean="0"/>
+              <a:t>Inventory/ Shop</a:t>
+            </a:r>
+            <a:endParaRPr lang="fi-FI" dirty="0"/>
+          </a:p>
+        </p:txBody>
+      </p:sp>
+      <p:pic>
+        <p:nvPicPr>
+          <p:cNvPr id="5" name="Kuvan paikkamerkki 4"/>
+          <p:cNvPicPr>
+            <a:picLocks noGrp="1" noChangeAspect="1"/>
+          </p:cNvPicPr>
+          <p:nvPr>
+            <p:ph idx="1"/>
+          </p:nvPr>
+        </p:nvPicPr>
+        <p:blipFill>
+          <a:blip r:embed="rId2">
+            <a:extLst>
+              <a:ext uri="{28A0092B-C50C-407E-A947-70E740481C1C}">
+                <a14:useLocalDpi xmlns:a14="http://schemas.microsoft.com/office/drawing/2010/main" val="0"/>
+              </a:ext>
+            </a:extLst>
+          </a:blip>
+          <a:stretch>
+            <a:fillRect/>
+          </a:stretch>
+        </p:blipFill>
+        <p:spPr>
+          <a:xfrm>
+            <a:off x="1771651" y="1644451"/>
+            <a:ext cx="8667750" cy="5056909"/>
+          </a:xfrm>
+        </p:spPr>
+      </p:pic>
+    </p:spTree>
+    <p:extLst>
+      <p:ext uri="{BB962C8B-B14F-4D97-AF65-F5344CB8AC3E}">
+        <p14:creationId xmlns:p14="http://schemas.microsoft.com/office/powerpoint/2010/main" val="2136605178"/>
       </p:ext>
     </p:extLst>
   </p:cSld>

--- a/Documentation/SpaceShooter.pptx
+++ b/Documentation/SpaceShooter.pptx
@@ -208,7 +208,7 @@
           <a:p>
             <a:fld id="{84D65188-3130-4C10-8FC2-FCAC98725109}" type="datetimeFigureOut">
               <a:rPr lang="fi-FI" smtClean="0"/>
-              <a:t>15.3.2016</a:t>
+              <a:t>22.3.2016</a:t>
             </a:fld>
             <a:endParaRPr lang="fi-FI"/>
           </a:p>
@@ -560,6 +560,90 @@
 </p:notes>
 </file>
 
+<file path=ppt/notesSlides/notesSlide2.xml><?xml version="1.0" encoding="utf-8"?>
+<p:notes xmlns:a="http://schemas.openxmlformats.org/drawingml/2006/main" xmlns:r="http://schemas.openxmlformats.org/officeDocument/2006/relationships" xmlns:p="http://schemas.openxmlformats.org/presentationml/2006/main">
+  <p:cSld>
+    <p:spTree>
+      <p:nvGrpSpPr>
+        <p:cNvPr id="1" name=""/>
+        <p:cNvGrpSpPr/>
+        <p:nvPr/>
+      </p:nvGrpSpPr>
+      <p:grpSpPr>
+        <a:xfrm>
+          <a:off x="0" y="0"/>
+          <a:ext cx="0" cy="0"/>
+          <a:chOff x="0" y="0"/>
+          <a:chExt cx="0" cy="0"/>
+        </a:xfrm>
+      </p:grpSpPr>
+      <p:sp>
+        <p:nvSpPr>
+          <p:cNvPr id="2" name="Slide Image Placeholder 1"/>
+          <p:cNvSpPr>
+            <a:spLocks noGrp="1" noRot="1" noChangeAspect="1"/>
+          </p:cNvSpPr>
+          <p:nvPr>
+            <p:ph type="sldImg"/>
+          </p:nvPr>
+        </p:nvSpPr>
+        <p:spPr/>
+      </p:sp>
+      <p:sp>
+        <p:nvSpPr>
+          <p:cNvPr id="3" name="Notes Placeholder 2"/>
+          <p:cNvSpPr>
+            <a:spLocks noGrp="1"/>
+          </p:cNvSpPr>
+          <p:nvPr>
+            <p:ph type="body" idx="1"/>
+          </p:nvPr>
+        </p:nvSpPr>
+        <p:spPr/>
+        <p:txBody>
+          <a:bodyPr/>
+          <a:lstStyle/>
+          <a:p>
+            <a:endParaRPr lang="fi-FI" dirty="0"/>
+          </a:p>
+        </p:txBody>
+      </p:sp>
+      <p:sp>
+        <p:nvSpPr>
+          <p:cNvPr id="4" name="Slide Number Placeholder 3"/>
+          <p:cNvSpPr>
+            <a:spLocks noGrp="1"/>
+          </p:cNvSpPr>
+          <p:nvPr>
+            <p:ph type="sldNum" sz="quarter" idx="10"/>
+          </p:nvPr>
+        </p:nvSpPr>
+        <p:spPr/>
+        <p:txBody>
+          <a:bodyPr/>
+          <a:lstStyle/>
+          <a:p>
+            <a:fld id="{2072F14B-3D2E-4CC5-B806-3C01D6977D83}" type="slidenum">
+              <a:rPr lang="fi-FI" smtClean="0"/>
+              <a:t>12</a:t>
+            </a:fld>
+            <a:endParaRPr lang="fi-FI"/>
+          </a:p>
+        </p:txBody>
+      </p:sp>
+    </p:spTree>
+    <p:extLst>
+      <p:ext uri="{BB962C8B-B14F-4D97-AF65-F5344CB8AC3E}">
+        <p14:creationId xmlns:p14="http://schemas.microsoft.com/office/powerpoint/2010/main" val="2861265877"/>
+      </p:ext>
+    </p:extLst>
+  </p:cSld>
+  <p:clrMapOvr>
+    <a:masterClrMapping/>
+  </p:clrMapOvr>
+</p:notes>
+</file>
+
 <file path=ppt/slideLayouts/slideLayout1.xml><?xml version="1.0" encoding="utf-8"?>
 <p:sldLayout xmlns:a="http://schemas.openxmlformats.org/drawingml/2006/main" xmlns:r="http://schemas.openxmlformats.org/officeDocument/2006/relationships" xmlns:p="http://schemas.openxmlformats.org/presentationml/2006/main" type="title" preserve="1">
   <p:cSld name="Otsikkodia">
@@ -790,7 +874,7 @@
             <a:fld id="{B61BEF0D-F0BB-DE4B-95CE-6DB70DBA9567}" type="datetimeFigureOut">
               <a:rPr lang="en-US" dirty="0"/>
               <a:pPr/>
-              <a:t>3/15/2016</a:t>
+              <a:t>3/22/2016</a:t>
             </a:fld>
             <a:endParaRPr lang="en-US" dirty="0"/>
           </a:p>
@@ -1121,7 +1205,7 @@
             <a:fld id="{B61BEF0D-F0BB-DE4B-95CE-6DB70DBA9567}" type="datetimeFigureOut">
               <a:rPr lang="en-US" dirty="0"/>
               <a:pPr/>
-              <a:t>3/15/2016</a:t>
+              <a:t>3/22/2016</a:t>
             </a:fld>
             <a:endParaRPr lang="en-US" dirty="0"/>
           </a:p>
@@ -1396,7 +1480,7 @@
             <a:fld id="{B61BEF0D-F0BB-DE4B-95CE-6DB70DBA9567}" type="datetimeFigureOut">
               <a:rPr lang="en-US" dirty="0"/>
               <a:pPr/>
-              <a:t>3/15/2016</a:t>
+              <a:t>3/22/2016</a:t>
             </a:fld>
             <a:endParaRPr lang="en-US" dirty="0"/>
           </a:p>
@@ -1961,7 +2045,7 @@
             <a:fld id="{B61BEF0D-F0BB-DE4B-95CE-6DB70DBA9567}" type="datetimeFigureOut">
               <a:rPr lang="en-US" dirty="0"/>
               <a:pPr/>
-              <a:t>3/15/2016</a:t>
+              <a:t>3/22/2016</a:t>
             </a:fld>
             <a:endParaRPr lang="en-US" dirty="0"/>
           </a:p>
@@ -2236,7 +2320,7 @@
             <a:fld id="{B61BEF0D-F0BB-DE4B-95CE-6DB70DBA9567}" type="datetimeFigureOut">
               <a:rPr lang="en-US" dirty="0"/>
               <a:pPr/>
-              <a:t>3/15/2016</a:t>
+              <a:t>3/22/2016</a:t>
             </a:fld>
             <a:endParaRPr lang="en-US" dirty="0"/>
           </a:p>
@@ -2795,7 +2879,7 @@
             <a:fld id="{B61BEF0D-F0BB-DE4B-95CE-6DB70DBA9567}" type="datetimeFigureOut">
               <a:rPr lang="en-US" dirty="0"/>
               <a:pPr/>
-              <a:t>3/15/2016</a:t>
+              <a:t>3/22/2016</a:t>
             </a:fld>
             <a:endParaRPr lang="en-US" dirty="0"/>
           </a:p>
@@ -3119,7 +3203,7 @@
             <a:fld id="{B61BEF0D-F0BB-DE4B-95CE-6DB70DBA9567}" type="datetimeFigureOut">
               <a:rPr lang="en-US" dirty="0"/>
               <a:pPr/>
-              <a:t>3/15/2016</a:t>
+              <a:t>3/22/2016</a:t>
             </a:fld>
             <a:endParaRPr lang="en-US" dirty="0"/>
           </a:p>
@@ -3321,7 +3405,7 @@
             <a:fld id="{B61BEF0D-F0BB-DE4B-95CE-6DB70DBA9567}" type="datetimeFigureOut">
               <a:rPr lang="en-US" dirty="0"/>
               <a:pPr/>
-              <a:t>3/15/2016</a:t>
+              <a:t>3/22/2016</a:t>
             </a:fld>
             <a:endParaRPr lang="en-US" dirty="0"/>
           </a:p>
@@ -3528,7 +3612,7 @@
             <a:fld id="{B61BEF0D-F0BB-DE4B-95CE-6DB70DBA9567}" type="datetimeFigureOut">
               <a:rPr lang="en-US" dirty="0"/>
               <a:pPr/>
-              <a:t>3/15/2016</a:t>
+              <a:t>3/22/2016</a:t>
             </a:fld>
             <a:endParaRPr lang="en-US" dirty="0"/>
           </a:p>
@@ -3725,7 +3809,7 @@
             <a:fld id="{B61BEF0D-F0BB-DE4B-95CE-6DB70DBA9567}" type="datetimeFigureOut">
               <a:rPr lang="en-US" dirty="0"/>
               <a:pPr/>
-              <a:t>3/15/2016</a:t>
+              <a:t>3/22/2016</a:t>
             </a:fld>
             <a:endParaRPr lang="en-US" dirty="0"/>
           </a:p>
@@ -3998,7 +4082,7 @@
             <a:fld id="{B61BEF0D-F0BB-DE4B-95CE-6DB70DBA9567}" type="datetimeFigureOut">
               <a:rPr lang="en-US" dirty="0"/>
               <a:pPr/>
-              <a:t>3/15/2016</a:t>
+              <a:t>3/22/2016</a:t>
             </a:fld>
             <a:endParaRPr lang="en-US" dirty="0"/>
           </a:p>
@@ -4261,7 +4345,7 @@
             <a:fld id="{B61BEF0D-F0BB-DE4B-95CE-6DB70DBA9567}" type="datetimeFigureOut">
               <a:rPr lang="en-US" dirty="0"/>
               <a:pPr/>
-              <a:t>3/15/2016</a:t>
+              <a:t>3/22/2016</a:t>
             </a:fld>
             <a:endParaRPr lang="en-US" dirty="0"/>
           </a:p>
@@ -4632,7 +4716,7 @@
             <a:fld id="{B61BEF0D-F0BB-DE4B-95CE-6DB70DBA9567}" type="datetimeFigureOut">
               <a:rPr lang="en-US" dirty="0"/>
               <a:pPr/>
-              <a:t>3/15/2016</a:t>
+              <a:t>3/22/2016</a:t>
             </a:fld>
             <a:endParaRPr lang="en-US" dirty="0"/>
           </a:p>
@@ -4777,7 +4861,7 @@
             <a:fld id="{B61BEF0D-F0BB-DE4B-95CE-6DB70DBA9567}" type="datetimeFigureOut">
               <a:rPr lang="en-US" dirty="0"/>
               <a:pPr/>
-              <a:t>3/15/2016</a:t>
+              <a:t>3/22/2016</a:t>
             </a:fld>
             <a:endParaRPr lang="en-US" dirty="0"/>
           </a:p>
@@ -4899,7 +4983,7 @@
             <a:fld id="{B61BEF0D-F0BB-DE4B-95CE-6DB70DBA9567}" type="datetimeFigureOut">
               <a:rPr lang="en-US" dirty="0"/>
               <a:pPr/>
-              <a:t>3/15/2016</a:t>
+              <a:t>3/22/2016</a:t>
             </a:fld>
             <a:endParaRPr lang="en-US" dirty="0"/>
           </a:p>
@@ -5181,7 +5265,7 @@
             <a:fld id="{B61BEF0D-F0BB-DE4B-95CE-6DB70DBA9567}" type="datetimeFigureOut">
               <a:rPr lang="en-US" dirty="0"/>
               <a:pPr/>
-              <a:t>3/15/2016</a:t>
+              <a:t>3/22/2016</a:t>
             </a:fld>
             <a:endParaRPr lang="en-US" dirty="0"/>
           </a:p>
@@ -5502,7 +5586,7 @@
             <a:fld id="{B61BEF0D-F0BB-DE4B-95CE-6DB70DBA9567}" type="datetimeFigureOut">
               <a:rPr lang="en-US" dirty="0"/>
               <a:pPr/>
-              <a:t>3/15/2016</a:t>
+              <a:t>3/22/2016</a:t>
             </a:fld>
             <a:endParaRPr lang="en-US" dirty="0"/>
           </a:p>
@@ -5713,7 +5797,7 @@
             <a:fld id="{B61BEF0D-F0BB-DE4B-95CE-6DB70DBA9567}" type="datetimeFigureOut">
               <a:rPr lang="en-US" dirty="0"/>
               <a:pPr/>
-              <a:t>3/15/2016</a:t>
+              <a:t>3/22/2016</a:t>
             </a:fld>
             <a:endParaRPr lang="en-US" dirty="0"/>
           </a:p>
@@ -6557,31 +6641,26 @@
       </p:sp>
       <p:pic>
         <p:nvPicPr>
-          <p:cNvPr id="4" name="Sisällön paikkamerkki 3"/>
+          <p:cNvPr id="3" name="Picture 2"/>
           <p:cNvPicPr>
-            <a:picLocks noGrp="1" noChangeAspect="1"/>
+            <a:picLocks noChangeAspect="1"/>
           </p:cNvPicPr>
-          <p:nvPr>
-            <p:ph idx="1"/>
-          </p:nvPr>
+          <p:nvPr/>
         </p:nvPicPr>
         <p:blipFill>
-          <a:blip r:embed="rId2">
-            <a:extLst>
-              <a:ext uri="{28A0092B-C50C-407E-A947-70E740481C1C}">
-                <a14:useLocalDpi xmlns:a14="http://schemas.microsoft.com/office/drawing/2010/main" val="0"/>
-              </a:ext>
-            </a:extLst>
-          </a:blip>
+          <a:blip r:embed="rId3"/>
           <a:stretch>
             <a:fillRect/>
           </a:stretch>
         </p:blipFill>
         <p:spPr>
           <a:xfrm>
-            <a:off x="3702543" y="180623"/>
-            <a:ext cx="5326341" cy="6513689"/>
+            <a:off x="3299531" y="101600"/>
+            <a:ext cx="5460647" cy="6662343"/>
           </a:xfrm>
+          <a:prstGeom prst="rect">
+            <a:avLst/>
+          </a:prstGeom>
         </p:spPr>
       </p:pic>
     </p:spTree>

--- a/Documentation/SpaceShooter.pptx
+++ b/Documentation/SpaceShooter.pptx
@@ -7158,6 +7158,14 @@
             <a:r>
               <a:rPr lang="fi-FI" sz="2000" dirty="0" err="1" smtClean="0"/>
               <a:t>MonoGame</a:t>
+            </a:r>
+            <a:endParaRPr lang="fi-FI" sz="2000" dirty="0" smtClean="0"/>
+          </a:p>
+          <a:p>
+            <a:pPr lvl="0"/>
+            <a:r>
+              <a:rPr lang="fi-FI" sz="2000" dirty="0" err="1" smtClean="0"/>
+              <a:t>Git</a:t>
             </a:r>
             <a:endParaRPr lang="fi-FI" sz="2000" dirty="0" smtClean="0"/>
           </a:p>

--- a/Documentation/SpaceShooter.pptx
+++ b/Documentation/SpaceShooter.pptx
@@ -18,8 +18,8 @@
     <p:sldId id="264" r:id="rId9"/>
     <p:sldId id="265" r:id="rId10"/>
     <p:sldId id="266" r:id="rId11"/>
-    <p:sldId id="267" r:id="rId12"/>
-    <p:sldId id="268" r:id="rId13"/>
+    <p:sldId id="268" r:id="rId12"/>
+    <p:sldId id="267" r:id="rId13"/>
   </p:sldIdLst>
   <p:sldSz cx="12192000" cy="6858000"/>
   <p:notesSz cx="6858000" cy="9144000"/>
@@ -625,7 +625,7 @@
           <a:p>
             <a:fld id="{2072F14B-3D2E-4CC5-B806-3C01D6977D83}" type="slidenum">
               <a:rPr lang="fi-FI" smtClean="0"/>
-              <a:t>12</a:t>
+              <a:t>11</a:t>
             </a:fld>
             <a:endParaRPr lang="fi-FI"/>
           </a:p>
@@ -6529,6 +6529,88 @@
         </p:nvSpPr>
         <p:spPr>
           <a:xfrm>
+            <a:off x="0" y="0"/>
+            <a:ext cx="10131425" cy="1456267"/>
+          </a:xfrm>
+        </p:spPr>
+        <p:txBody>
+          <a:bodyPr/>
+          <a:lstStyle/>
+          <a:p>
+            <a:r>
+              <a:rPr lang="fi-FI" dirty="0" smtClean="0"/>
+              <a:t>luokkakaavio</a:t>
+            </a:r>
+            <a:endParaRPr lang="fi-FI" dirty="0"/>
+          </a:p>
+        </p:txBody>
+      </p:sp>
+      <p:pic>
+        <p:nvPicPr>
+          <p:cNvPr id="3" name="Picture 2"/>
+          <p:cNvPicPr>
+            <a:picLocks noChangeAspect="1"/>
+          </p:cNvPicPr>
+          <p:nvPr/>
+        </p:nvPicPr>
+        <p:blipFill>
+          <a:blip r:embed="rId3"/>
+          <a:stretch>
+            <a:fillRect/>
+          </a:stretch>
+        </p:blipFill>
+        <p:spPr>
+          <a:xfrm>
+            <a:off x="3299531" y="101600"/>
+            <a:ext cx="5460647" cy="6662343"/>
+          </a:xfrm>
+          <a:prstGeom prst="rect">
+            <a:avLst/>
+          </a:prstGeom>
+        </p:spPr>
+      </p:pic>
+    </p:spTree>
+    <p:extLst>
+      <p:ext uri="{BB962C8B-B14F-4D97-AF65-F5344CB8AC3E}">
+        <p14:creationId xmlns:p14="http://schemas.microsoft.com/office/powerpoint/2010/main" val="1092081302"/>
+      </p:ext>
+    </p:extLst>
+  </p:cSld>
+  <p:clrMapOvr>
+    <a:masterClrMapping/>
+  </p:clrMapOvr>
+</p:sld>
+</file>
+
+<file path=ppt/slides/slide12.xml><?xml version="1.0" encoding="utf-8"?>
+<p:sld xmlns:a="http://schemas.openxmlformats.org/drawingml/2006/main" xmlns:r="http://schemas.openxmlformats.org/officeDocument/2006/relationships" xmlns:p="http://schemas.openxmlformats.org/presentationml/2006/main">
+  <p:cSld>
+    <p:spTree>
+      <p:nvGrpSpPr>
+        <p:cNvPr id="1" name=""/>
+        <p:cNvGrpSpPr/>
+        <p:nvPr/>
+      </p:nvGrpSpPr>
+      <p:grpSpPr>
+        <a:xfrm>
+          <a:off x="0" y="0"/>
+          <a:ext cx="0" cy="0"/>
+          <a:chOff x="0" y="0"/>
+          <a:chExt cx="0" cy="0"/>
+        </a:xfrm>
+      </p:grpSpPr>
+      <p:sp>
+        <p:nvSpPr>
+          <p:cNvPr id="2" name="Otsikko 1"/>
+          <p:cNvSpPr>
+            <a:spLocks noGrp="1"/>
+          </p:cNvSpPr>
+          <p:nvPr>
+            <p:ph type="title"/>
+          </p:nvPr>
+        </p:nvSpPr>
+        <p:spPr>
+          <a:xfrm>
             <a:off x="762999" y="304259"/>
             <a:ext cx="10131425" cy="1456267"/>
           </a:xfrm>
@@ -6594,88 +6676,6 @@
 </p:sld>
 </file>
 
-<file path=ppt/slides/slide12.xml><?xml version="1.0" encoding="utf-8"?>
-<p:sld xmlns:a="http://schemas.openxmlformats.org/drawingml/2006/main" xmlns:r="http://schemas.openxmlformats.org/officeDocument/2006/relationships" xmlns:p="http://schemas.openxmlformats.org/presentationml/2006/main">
-  <p:cSld>
-    <p:spTree>
-      <p:nvGrpSpPr>
-        <p:cNvPr id="1" name=""/>
-        <p:cNvGrpSpPr/>
-        <p:nvPr/>
-      </p:nvGrpSpPr>
-      <p:grpSpPr>
-        <a:xfrm>
-          <a:off x="0" y="0"/>
-          <a:ext cx="0" cy="0"/>
-          <a:chOff x="0" y="0"/>
-          <a:chExt cx="0" cy="0"/>
-        </a:xfrm>
-      </p:grpSpPr>
-      <p:sp>
-        <p:nvSpPr>
-          <p:cNvPr id="2" name="Otsikko 1"/>
-          <p:cNvSpPr>
-            <a:spLocks noGrp="1"/>
-          </p:cNvSpPr>
-          <p:nvPr>
-            <p:ph type="title"/>
-          </p:nvPr>
-        </p:nvSpPr>
-        <p:spPr>
-          <a:xfrm>
-            <a:off x="0" y="0"/>
-            <a:ext cx="10131425" cy="1456267"/>
-          </a:xfrm>
-        </p:spPr>
-        <p:txBody>
-          <a:bodyPr/>
-          <a:lstStyle/>
-          <a:p>
-            <a:r>
-              <a:rPr lang="fi-FI" dirty="0" smtClean="0"/>
-              <a:t>luokkakaavio</a:t>
-            </a:r>
-            <a:endParaRPr lang="fi-FI" dirty="0"/>
-          </a:p>
-        </p:txBody>
-      </p:sp>
-      <p:pic>
-        <p:nvPicPr>
-          <p:cNvPr id="3" name="Picture 2"/>
-          <p:cNvPicPr>
-            <a:picLocks noChangeAspect="1"/>
-          </p:cNvPicPr>
-          <p:nvPr/>
-        </p:nvPicPr>
-        <p:blipFill>
-          <a:blip r:embed="rId3"/>
-          <a:stretch>
-            <a:fillRect/>
-          </a:stretch>
-        </p:blipFill>
-        <p:spPr>
-          <a:xfrm>
-            <a:off x="3299531" y="101600"/>
-            <a:ext cx="5460647" cy="6662343"/>
-          </a:xfrm>
-          <a:prstGeom prst="rect">
-            <a:avLst/>
-          </a:prstGeom>
-        </p:spPr>
-      </p:pic>
-    </p:spTree>
-    <p:extLst>
-      <p:ext uri="{BB962C8B-B14F-4D97-AF65-F5344CB8AC3E}">
-        <p14:creationId xmlns:p14="http://schemas.microsoft.com/office/powerpoint/2010/main" val="1092081302"/>
-      </p:ext>
-    </p:extLst>
-  </p:cSld>
-  <p:clrMapOvr>
-    <a:masterClrMapping/>
-  </p:clrMapOvr>
-</p:sld>
-</file>
-
 <file path=ppt/slides/slide2.xml><?xml version="1.0" encoding="utf-8"?>
 <p:sld xmlns:a="http://schemas.openxmlformats.org/drawingml/2006/main" xmlns:r="http://schemas.openxmlformats.org/officeDocument/2006/relationships" xmlns:p="http://schemas.openxmlformats.org/presentationml/2006/main">
   <p:cSld>
@@ -6841,7 +6841,25 @@
               <a:rPr lang="fi-FI" dirty="0" smtClean="0">
                 <a:latin typeface="+mj-lt"/>
               </a:rPr>
-              <a:t>Sisältää:</a:t>
+              <a:t>Sisältää</a:t>
+            </a:r>
+            <a:r>
+              <a:rPr lang="fi-FI" dirty="0" smtClean="0">
+                <a:latin typeface="+mj-lt"/>
+              </a:rPr>
+              <a:t>:</a:t>
+            </a:r>
+            <a:endParaRPr lang="fi-FI" dirty="0" smtClean="0">
+              <a:latin typeface="+mj-lt"/>
+            </a:endParaRPr>
+          </a:p>
+          <a:p>
+            <a:pPr lvl="0"/>
+            <a:r>
+              <a:rPr lang="fi-FI" dirty="0" smtClean="0">
+                <a:latin typeface="+mj-lt"/>
+              </a:rPr>
+              <a:t>Eriteemaisia tasoja</a:t>
             </a:r>
           </a:p>
           <a:p>
@@ -6852,6 +6870,9 @@
               </a:rPr>
               <a:t>Erityyppisiä vihollisia</a:t>
             </a:r>
+            <a:endParaRPr lang="fi-FI" dirty="0" smtClean="0">
+              <a:latin typeface="+mj-lt"/>
+            </a:endParaRPr>
           </a:p>
           <a:p>
             <a:pPr lvl="0"/>
